--- a/CRC Card.pptx
+++ b/CRC Card.pptx
@@ -15309,14 +15309,14 @@
           <p:nvPr>
             <p:extLst>
               <p:ext uri="{D42A27DB-BD31-4B8C-83A1-F6EECF244321}">
-                <p14:modId xmlns:p14="http://schemas.microsoft.com/office/powerpoint/2010/main" val="1850110991"/>
+                <p14:modId xmlns:p14="http://schemas.microsoft.com/office/powerpoint/2010/main" val="2808831994"/>
               </p:ext>
             </p:extLst>
           </p:nvPr>
         </p:nvGraphicFramePr>
         <p:xfrm>
           <a:off x="2155371" y="281850"/>
-          <a:ext cx="9474456" cy="6132013"/>
+          <a:ext cx="9474456" cy="6393399"/>
         </p:xfrm>
         <a:graphic>
           <a:graphicData uri="http://schemas.openxmlformats.org/drawingml/2006/table">
@@ -15374,11 +15374,27 @@
                             <a:srgbClr val="FFC000"/>
                           </a:solidFill>
                         </a:rPr>
-                        <a:t> Class :</a:t>
+                        <a:t> </a:t>
+                      </a:r>
+                      <a:r>
+                        <a:rPr lang="en-US" sz="1200" b="1">
+                          <a:solidFill>
+                            <a:srgbClr val="FFC000"/>
+                          </a:solidFill>
+                        </a:rPr>
+                        <a:t>Class : </a:t>
+                      </a:r>
+                      <a:r>
+                        <a:rPr lang="en-US" sz="1200" b="1">
+                          <a:solidFill>
+                            <a:schemeClr val="tx1"/>
+                          </a:solidFill>
+                        </a:rPr>
+                        <a:t>BaiViet</a:t>
                       </a:r>
                       <a:endParaRPr lang="en-US" sz="1200" b="1" dirty="0">
                         <a:solidFill>
-                          <a:schemeClr val="accent1"/>
+                          <a:schemeClr val="tx1"/>
                         </a:solidFill>
                         <a:latin typeface="Times New Roman" panose="02020603050405020304" pitchFamily="18" charset="0"/>
                         <a:cs typeface="Times New Roman" panose="02020603050405020304" pitchFamily="18" charset="0"/>
@@ -15398,7 +15414,15 @@
                             <a:srgbClr val="FFC000"/>
                           </a:solidFill>
                         </a:rPr>
-                        <a:t>ID :  </a:t>
+                        <a:t>ID </a:t>
+                      </a:r>
+                      <a:r>
+                        <a:rPr lang="en-US" sz="1200" b="1">
+                          <a:solidFill>
+                            <a:srgbClr val="FFC000"/>
+                          </a:solidFill>
+                        </a:rPr>
+                        <a:t>:  1</a:t>
                       </a:r>
                       <a:endParaRPr lang="en-US" sz="1200" b="1" dirty="0">
                         <a:solidFill>
@@ -15440,103 +15464,23 @@
                             <a:srgbClr val="FFC000"/>
                           </a:solidFill>
                         </a:rPr>
-                        <a:t> : </a:t>
+                        <a:t> </a:t>
                       </a:r>
                       <a:r>
-                        <a:rPr lang="en-US" sz="1200" b="1" dirty="0" err="1">
+                        <a:rPr lang="en-US" sz="1200" b="1">
+                          <a:solidFill>
+                            <a:srgbClr val="FFC000"/>
+                          </a:solidFill>
+                        </a:rPr>
+                        <a:t>: </a:t>
+                      </a:r>
+                      <a:r>
+                        <a:rPr lang="en-US" sz="1200" b="1">
                           <a:solidFill>
                             <a:schemeClr val="tx1"/>
                           </a:solidFill>
                         </a:rPr>
-                        <a:t>lớp</a:t>
-                      </a:r>
-                      <a:r>
-                        <a:rPr lang="en-US" sz="1200" b="1" dirty="0">
-                          <a:solidFill>
-                            <a:schemeClr val="tx1"/>
-                          </a:solidFill>
-                        </a:rPr>
-                        <a:t> </a:t>
-                      </a:r>
-                      <a:r>
-                        <a:rPr lang="en-US" sz="1200" b="1" dirty="0" err="1">
-                          <a:solidFill>
-                            <a:schemeClr val="tx1"/>
-                          </a:solidFill>
-                        </a:rPr>
-                        <a:t>cụ</a:t>
-                      </a:r>
-                      <a:r>
-                        <a:rPr lang="en-US" sz="1200" b="1" dirty="0">
-                          <a:solidFill>
-                            <a:schemeClr val="tx1"/>
-                          </a:solidFill>
-                        </a:rPr>
-                        <a:t>  </a:t>
-                      </a:r>
-                      <a:r>
-                        <a:rPr lang="en-US" sz="1200" b="1" dirty="0" err="1">
-                          <a:solidFill>
-                            <a:schemeClr val="tx1"/>
-                          </a:solidFill>
-                        </a:rPr>
-                        <a:t>thể</a:t>
-                      </a:r>
-                      <a:r>
-                        <a:rPr lang="en-US" sz="1200" b="1" dirty="0">
-                          <a:solidFill>
-                            <a:schemeClr val="tx1"/>
-                          </a:solidFill>
-                        </a:rPr>
-                        <a:t>/</a:t>
-                      </a:r>
-                      <a:r>
-                        <a:rPr lang="en-US" sz="1200" b="1" dirty="0" err="1">
-                          <a:solidFill>
-                            <a:schemeClr val="tx1"/>
-                          </a:solidFill>
-                        </a:rPr>
-                        <a:t>lớp</a:t>
-                      </a:r>
-                      <a:r>
-                        <a:rPr lang="en-US" sz="1200" b="1" dirty="0">
-                          <a:solidFill>
-                            <a:schemeClr val="tx1"/>
-                          </a:solidFill>
-                        </a:rPr>
-                        <a:t> </a:t>
-                      </a:r>
-                      <a:r>
-                        <a:rPr lang="en-US" sz="1200" b="1" dirty="0" err="1">
-                          <a:solidFill>
-                            <a:schemeClr val="tx1"/>
-                          </a:solidFill>
-                        </a:rPr>
-                        <a:t>trừu</a:t>
-                      </a:r>
-                      <a:r>
-                        <a:rPr lang="en-US" sz="1200" b="1" dirty="0">
-                          <a:solidFill>
-                            <a:schemeClr val="tx1"/>
-                          </a:solidFill>
-                        </a:rPr>
-                        <a:t> t</a:t>
-                      </a:r>
-                      <a:r>
-                        <a:rPr lang="vi-VN" sz="1200" b="1" dirty="0">
-                          <a:solidFill>
-                            <a:schemeClr val="tx1"/>
-                          </a:solidFill>
-                        </a:rPr>
-                        <a:t>ư</a:t>
-                      </a:r>
-                      <a:r>
-                        <a:rPr lang="en-US" sz="1200" b="1" dirty="0" err="1">
-                          <a:solidFill>
-                            <a:schemeClr val="tx1"/>
-                          </a:solidFill>
-                        </a:rPr>
-                        <a:t>ợng</a:t>
+                        <a:t>Cụ  thể</a:t>
                       </a:r>
                       <a:endParaRPr lang="en-US" sz="1200" b="1" dirty="0">
                         <a:solidFill>
@@ -15578,7 +15522,7 @@
                         <a:t> </a:t>
                       </a:r>
                       <a:r>
-                        <a:rPr lang="en-US" sz="1200" b="1" dirty="0" err="1">
+                        <a:rPr lang="en-US" sz="1200" b="1" err="1">
                           <a:solidFill>
                             <a:srgbClr val="FFC000"/>
                           </a:solidFill>
@@ -15586,12 +15530,36 @@
                         <a:t>tả</a:t>
                       </a:r>
                       <a:r>
-                        <a:rPr lang="en-US" sz="1200" b="1" dirty="0">
+                        <a:rPr lang="en-US" sz="1200" b="1">
                           <a:solidFill>
                             <a:srgbClr val="FFC000"/>
                           </a:solidFill>
                         </a:rPr>
-                        <a:t>:</a:t>
+                        <a:t>: </a:t>
+                      </a:r>
+                      <a:r>
+                        <a:rPr lang="en-US" sz="1200" b="1">
+                          <a:solidFill>
+                            <a:schemeClr val="tx1"/>
+                          </a:solidFill>
+                        </a:rPr>
+                        <a:t>Lớp các đối t</a:t>
+                      </a:r>
+                      <a:r>
+                        <a:rPr lang="vi-VN" sz="1200" b="1">
+                          <a:solidFill>
+                            <a:schemeClr val="tx1"/>
+                          </a:solidFill>
+                        </a:rPr>
+                        <a:t>ư</a:t>
+                      </a:r>
+                      <a:r>
+                        <a:rPr lang="en-US" sz="1200" b="1">
+                          <a:solidFill>
+                            <a:schemeClr val="tx1"/>
+                          </a:solidFill>
+                        </a:rPr>
+                        <a:t>ợng bài viết trên trang tin tức</a:t>
                       </a:r>
                       <a:endParaRPr lang="en-US" sz="1200" b="1" dirty="0">
                         <a:solidFill>
@@ -15620,7 +15588,7 @@
                     <a:lstStyle/>
                     <a:p>
                       <a:r>
-                        <a:rPr lang="en-US" sz="1200" b="1" dirty="0" err="1">
+                        <a:rPr lang="en-US" sz="1200" b="1" err="1">
                           <a:solidFill>
                             <a:srgbClr val="FFC000"/>
                           </a:solidFill>
@@ -15628,12 +15596,12 @@
                         <a:t>Số</a:t>
                       </a:r>
                       <a:r>
-                        <a:rPr lang="en-US" sz="1200" b="1" dirty="0">
+                        <a:rPr lang="en-US" sz="1200" b="1">
                           <a:solidFill>
                             <a:srgbClr val="FFC000"/>
                           </a:solidFill>
                         </a:rPr>
-                        <a:t>  class  </a:t>
+                        <a:t>  usecases  </a:t>
                       </a:r>
                       <a:r>
                         <a:rPr lang="en-US" sz="1200" b="1" dirty="0" err="1">
@@ -15652,7 +15620,7 @@
                         <a:t> </a:t>
                       </a:r>
                       <a:r>
-                        <a:rPr lang="en-US" sz="1200" b="1" dirty="0" err="1">
+                        <a:rPr lang="en-US" sz="1200" b="1" err="1">
                           <a:solidFill>
                             <a:srgbClr val="FFC000"/>
                           </a:solidFill>
@@ -15660,12 +15628,20 @@
                         <a:t>kết</a:t>
                       </a:r>
                       <a:r>
-                        <a:rPr lang="en-US" sz="1200" b="1" dirty="0">
+                        <a:rPr lang="en-US" sz="1200" b="1">
                           <a:solidFill>
                             <a:srgbClr val="FFC000"/>
                           </a:solidFill>
                         </a:rPr>
-                        <a:t> :</a:t>
+                        <a:t> : </a:t>
+                      </a:r>
+                      <a:r>
+                        <a:rPr lang="en-US" sz="1200" b="1">
+                          <a:solidFill>
+                            <a:schemeClr val="tx1"/>
+                          </a:solidFill>
+                        </a:rPr>
+                        <a:t>3</a:t>
                       </a:r>
                       <a:endParaRPr lang="en-US" dirty="0"/>
                     </a:p>
@@ -15695,7 +15671,7 @@
                     <a:lstStyle/>
                     <a:p>
                       <a:r>
-                        <a:rPr lang="en-US" sz="1200" b="1" dirty="0" err="1">
+                        <a:rPr lang="en-US" sz="1200" b="1" err="1">
                           <a:solidFill>
                             <a:srgbClr val="FFC000"/>
                           </a:solidFill>
@@ -15705,26 +15681,6 @@
                         <a:t>Chức</a:t>
                       </a:r>
                       <a:r>
-                        <a:rPr lang="en-US" sz="1200" b="1" dirty="0">
-                          <a:solidFill>
-                            <a:srgbClr val="FFC000"/>
-                          </a:solidFill>
-                          <a:latin typeface="Times New Roman" panose="02020603050405020304" pitchFamily="18" charset="0"/>
-                          <a:cs typeface="Times New Roman" panose="02020603050405020304" pitchFamily="18" charset="0"/>
-                        </a:rPr>
-                        <a:t> </a:t>
-                      </a:r>
-                      <a:r>
-                        <a:rPr lang="en-US" sz="1200" b="1" dirty="0" err="1">
-                          <a:solidFill>
-                            <a:srgbClr val="FFC000"/>
-                          </a:solidFill>
-                          <a:latin typeface="Times New Roman" panose="02020603050405020304" pitchFamily="18" charset="0"/>
-                          <a:cs typeface="Times New Roman" panose="02020603050405020304" pitchFamily="18" charset="0"/>
-                        </a:rPr>
-                        <a:t>năng</a:t>
-                      </a:r>
-                      <a:r>
                         <a:rPr lang="en-US" sz="1200" b="1">
                           <a:solidFill>
                             <a:srgbClr val="FFC000"/>
@@ -15732,7 +15688,94 @@
                           <a:latin typeface="Times New Roman" panose="02020603050405020304" pitchFamily="18" charset="0"/>
                           <a:cs typeface="Times New Roman" panose="02020603050405020304" pitchFamily="18" charset="0"/>
                         </a:rPr>
-                        <a:t>:</a:t>
+                        <a:t> năng : </a:t>
+                      </a:r>
+                      <a:endParaRPr lang="en-US" sz="1200" b="1">
+                        <a:solidFill>
+                          <a:schemeClr val="tx1"/>
+                        </a:solidFill>
+                        <a:latin typeface="Times New Roman" panose="02020603050405020304" pitchFamily="18" charset="0"/>
+                        <a:cs typeface="Times New Roman" panose="02020603050405020304" pitchFamily="18" charset="0"/>
+                      </a:endParaRPr>
+                    </a:p>
+                    <a:p>
+                      <a:pPr marL="171450" indent="-171450">
+                        <a:buFont typeface="Arial" panose="020B0604020202020204" pitchFamily="34" charset="0"/>
+                        <a:buChar char="•"/>
+                      </a:pPr>
+                      <a:r>
+                        <a:rPr lang="en-US" sz="1200" b="1">
+                          <a:solidFill>
+                            <a:schemeClr val="tx1"/>
+                          </a:solidFill>
+                          <a:latin typeface="Times New Roman" panose="02020603050405020304" pitchFamily="18" charset="0"/>
+                          <a:cs typeface="Times New Roman" panose="02020603050405020304" pitchFamily="18" charset="0"/>
+                        </a:rPr>
+                        <a:t>Thêm bài viết</a:t>
+                      </a:r>
+                    </a:p>
+                    <a:p>
+                      <a:pPr marL="171450" indent="-171450">
+                        <a:buFont typeface="Arial" panose="020B0604020202020204" pitchFamily="34" charset="0"/>
+                        <a:buChar char="•"/>
+                      </a:pPr>
+                      <a:r>
+                        <a:rPr lang="en-US" sz="1200" b="1">
+                          <a:solidFill>
+                            <a:schemeClr val="tx1"/>
+                          </a:solidFill>
+                          <a:latin typeface="Times New Roman" panose="02020603050405020304" pitchFamily="18" charset="0"/>
+                          <a:cs typeface="Times New Roman" panose="02020603050405020304" pitchFamily="18" charset="0"/>
+                        </a:rPr>
+                        <a:t>Sửa bài viết</a:t>
+                      </a:r>
+                    </a:p>
+                    <a:p>
+                      <a:pPr marL="171450" indent="-171450">
+                        <a:buFont typeface="Arial" panose="020B0604020202020204" pitchFamily="34" charset="0"/>
+                        <a:buChar char="•"/>
+                      </a:pPr>
+                      <a:r>
+                        <a:rPr lang="en-US" sz="1200" b="1">
+                          <a:solidFill>
+                            <a:schemeClr val="tx1"/>
+                          </a:solidFill>
+                          <a:latin typeface="Times New Roman" panose="02020603050405020304" pitchFamily="18" charset="0"/>
+                          <a:cs typeface="Times New Roman" panose="02020603050405020304" pitchFamily="18" charset="0"/>
+                        </a:rPr>
+                        <a:t>Xóa bài viết</a:t>
+                      </a:r>
+                    </a:p>
+                    <a:p>
+                      <a:pPr marL="171450" indent="-171450">
+                        <a:buFont typeface="Arial" panose="020B0604020202020204" pitchFamily="34" charset="0"/>
+                        <a:buChar char="•"/>
+                      </a:pPr>
+                      <a:r>
+                        <a:rPr lang="en-US" sz="1200" b="1">
+                          <a:solidFill>
+                            <a:schemeClr val="tx1"/>
+                          </a:solidFill>
+                          <a:latin typeface="Times New Roman" panose="02020603050405020304" pitchFamily="18" charset="0"/>
+                          <a:cs typeface="Times New Roman" panose="02020603050405020304" pitchFamily="18" charset="0"/>
+                        </a:rPr>
+                        <a:t>Ẩn bài viết</a:t>
+                      </a:r>
+                    </a:p>
+                    <a:p>
+                      <a:pPr marL="171450" indent="-171450">
+                        <a:buFont typeface="Arial" panose="020B0604020202020204" pitchFamily="34" charset="0"/>
+                        <a:buChar char="•"/>
+                      </a:pPr>
+                      <a:r>
+                        <a:rPr lang="en-US" sz="1200" b="1">
+                          <a:solidFill>
+                            <a:schemeClr val="tx1"/>
+                          </a:solidFill>
+                          <a:latin typeface="Times New Roman" panose="02020603050405020304" pitchFamily="18" charset="0"/>
+                          <a:cs typeface="Times New Roman" panose="02020603050405020304" pitchFamily="18" charset="0"/>
+                        </a:rPr>
+                        <a:t>Chặn bình luận</a:t>
                       </a:r>
                       <a:endParaRPr lang="en-US" sz="1200" b="1" dirty="0">
                         <a:solidFill>
@@ -15791,7 +15834,7 @@
                         <a:t> </a:t>
                       </a:r>
                       <a:r>
-                        <a:rPr lang="en-US" sz="1200" b="1" dirty="0" err="1">
+                        <a:rPr lang="en-US" sz="1200" b="1" err="1">
                           <a:solidFill>
                             <a:srgbClr val="FFC000"/>
                           </a:solidFill>
@@ -15801,7 +15844,7 @@
                         <a:t>quan</a:t>
                       </a:r>
                       <a:r>
-                        <a:rPr lang="en-US" sz="1200" b="1" dirty="0">
+                        <a:rPr lang="en-US" sz="1200" b="1">
                           <a:solidFill>
                             <a:srgbClr val="FFC000"/>
                           </a:solidFill>
@@ -15810,6 +15853,45 @@
                         </a:rPr>
                         <a:t>:</a:t>
                       </a:r>
+                    </a:p>
+                    <a:p>
+                      <a:pPr marL="171450" indent="-171450">
+                        <a:buFont typeface="Arial" panose="020B0604020202020204" pitchFamily="34" charset="0"/>
+                        <a:buChar char="•"/>
+                      </a:pPr>
+                      <a:r>
+                        <a:rPr lang="en-US" sz="1200" b="1">
+                          <a:solidFill>
+                            <a:schemeClr val="tx1"/>
+                          </a:solidFill>
+                          <a:latin typeface="Times New Roman" panose="02020603050405020304" pitchFamily="18" charset="0"/>
+                          <a:cs typeface="Times New Roman" panose="02020603050405020304" pitchFamily="18" charset="0"/>
+                        </a:rPr>
+                        <a:t>User</a:t>
+                      </a:r>
+                    </a:p>
+                    <a:p>
+                      <a:pPr marL="171450" indent="-171450">
+                        <a:buFont typeface="Arial" panose="020B0604020202020204" pitchFamily="34" charset="0"/>
+                        <a:buChar char="•"/>
+                      </a:pPr>
+                      <a:r>
+                        <a:rPr lang="en-US" sz="1200" b="1">
+                          <a:solidFill>
+                            <a:schemeClr val="tx1"/>
+                          </a:solidFill>
+                          <a:latin typeface="Times New Roman" panose="02020603050405020304" pitchFamily="18" charset="0"/>
+                          <a:cs typeface="Times New Roman" panose="02020603050405020304" pitchFamily="18" charset="0"/>
+                        </a:rPr>
+                        <a:t>BinhLuan</a:t>
+                      </a:r>
+                      <a:endParaRPr lang="en-US" sz="1200" b="1" dirty="0">
+                        <a:solidFill>
+                          <a:schemeClr val="tx1"/>
+                        </a:solidFill>
+                        <a:latin typeface="Times New Roman" panose="02020603050405020304" pitchFamily="18" charset="0"/>
+                        <a:cs typeface="Times New Roman" panose="02020603050405020304" pitchFamily="18" charset="0"/>
+                      </a:endParaRPr>
                     </a:p>
                   </a:txBody>
                   <a:tcPr/>
@@ -15836,6 +15918,10 @@
                     <a:bodyPr/>
                     <a:lstStyle/>
                     <a:p>
+                      <a:pPr marL="0" indent="0">
+                        <a:buFont typeface="Arial" panose="020B0604020202020204" pitchFamily="34" charset="0"/>
+                        <a:buNone/>
+                      </a:pPr>
                       <a:r>
                         <a:rPr lang="en-US" sz="1200" b="1" dirty="0" err="1">
                           <a:solidFill>
@@ -15861,27 +15947,164 @@
                         <a:t>tính</a:t>
                       </a:r>
                       <a:r>
-                        <a:rPr lang="en-US" sz="1200" b="1" dirty="0">
+                        <a:rPr lang="en-US" sz="1200" b="1">
                           <a:solidFill>
                             <a:srgbClr val="FFC000"/>
                           </a:solidFill>
                         </a:rPr>
                         <a:t>: </a:t>
                       </a:r>
-                      <a:br>
-                        <a:rPr lang="en-US" sz="1200" b="1" dirty="0">
+                    </a:p>
+                    <a:p>
+                      <a:pPr marL="171450" indent="-171450">
+                        <a:buFont typeface="Arial" panose="020B0604020202020204" pitchFamily="34" charset="0"/>
+                        <a:buChar char="•"/>
+                      </a:pPr>
+                      <a:r>
+                        <a:rPr lang="en-US" sz="1200" b="1">
                           <a:solidFill>
-                            <a:srgbClr val="FFC000"/>
+                            <a:schemeClr val="tx1"/>
                           </a:solidFill>
+                          <a:latin typeface="Times New Roman" panose="02020603050405020304" pitchFamily="18" charset="0"/>
+                          <a:cs typeface="Times New Roman" panose="02020603050405020304" pitchFamily="18" charset="0"/>
                         </a:rPr>
-                      </a:br>
+                        <a:t>baivietid</a:t>
+                      </a:r>
+                    </a:p>
+                    <a:p>
+                      <a:pPr marL="171450" indent="-171450">
+                        <a:buFont typeface="Arial" panose="020B0604020202020204" pitchFamily="34" charset="0"/>
+                        <a:buChar char="•"/>
+                      </a:pPr>
+                      <a:r>
+                        <a:rPr lang="en-US" sz="1200" b="1">
+                          <a:solidFill>
+                            <a:schemeClr val="tx1"/>
+                          </a:solidFill>
+                          <a:latin typeface="Times New Roman" panose="02020603050405020304" pitchFamily="18" charset="0"/>
+                          <a:cs typeface="Times New Roman" panose="02020603050405020304" pitchFamily="18" charset="0"/>
+                        </a:rPr>
+                        <a:t>loaitinid</a:t>
+                      </a:r>
+                    </a:p>
+                    <a:p>
+                      <a:pPr marL="171450" indent="-171450">
+                        <a:buFont typeface="Arial" panose="020B0604020202020204" pitchFamily="34" charset="0"/>
+                        <a:buChar char="•"/>
+                      </a:pPr>
+                      <a:r>
+                        <a:rPr lang="en-US" sz="1200" b="1">
+                          <a:solidFill>
+                            <a:schemeClr val="tx1"/>
+                          </a:solidFill>
+                          <a:latin typeface="Times New Roman" panose="02020603050405020304" pitchFamily="18" charset="0"/>
+                          <a:cs typeface="Times New Roman" panose="02020603050405020304" pitchFamily="18" charset="0"/>
+                        </a:rPr>
+                        <a:t>tacgia</a:t>
+                      </a:r>
+                    </a:p>
+                    <a:p>
+                      <a:pPr marL="171450" indent="-171450">
+                        <a:buFont typeface="Arial" panose="020B0604020202020204" pitchFamily="34" charset="0"/>
+                        <a:buChar char="•"/>
+                      </a:pPr>
+                      <a:r>
+                        <a:rPr lang="en-US" sz="1200" b="1">
+                          <a:solidFill>
+                            <a:schemeClr val="tx1"/>
+                          </a:solidFill>
+                          <a:latin typeface="Times New Roman" panose="02020603050405020304" pitchFamily="18" charset="0"/>
+                          <a:cs typeface="Times New Roman" panose="02020603050405020304" pitchFamily="18" charset="0"/>
+                        </a:rPr>
+                        <a:t>tieude</a:t>
+                      </a:r>
+                    </a:p>
+                    <a:p>
+                      <a:pPr marL="171450" indent="-171450">
+                        <a:buFont typeface="Arial" panose="020B0604020202020204" pitchFamily="34" charset="0"/>
+                        <a:buChar char="•"/>
+                      </a:pPr>
+                      <a:r>
+                        <a:rPr lang="en-US" sz="1200" b="1">
+                          <a:solidFill>
+                            <a:schemeClr val="tx1"/>
+                          </a:solidFill>
+                          <a:latin typeface="Times New Roman" panose="02020603050405020304" pitchFamily="18" charset="0"/>
+                          <a:cs typeface="Times New Roman" panose="02020603050405020304" pitchFamily="18" charset="0"/>
+                        </a:rPr>
+                        <a:t>tomtat</a:t>
+                      </a:r>
+                    </a:p>
+                    <a:p>
+                      <a:pPr marL="171450" indent="-171450">
+                        <a:buFont typeface="Arial" panose="020B0604020202020204" pitchFamily="34" charset="0"/>
+                        <a:buChar char="•"/>
+                      </a:pPr>
+                      <a:r>
+                        <a:rPr lang="en-US" sz="1200" b="1">
+                          <a:solidFill>
+                            <a:schemeClr val="tx1"/>
+                          </a:solidFill>
+                          <a:latin typeface="Times New Roman" panose="02020603050405020304" pitchFamily="18" charset="0"/>
+                          <a:cs typeface="Times New Roman" panose="02020603050405020304" pitchFamily="18" charset="0"/>
+                        </a:rPr>
+                        <a:t>noidung</a:t>
+                      </a:r>
+                    </a:p>
+                    <a:p>
+                      <a:pPr marL="171450" indent="-171450">
+                        <a:buFont typeface="Arial" panose="020B0604020202020204" pitchFamily="34" charset="0"/>
+                        <a:buChar char="•"/>
+                      </a:pPr>
+                      <a:r>
+                        <a:rPr lang="en-US" sz="1200" b="1">
+                          <a:solidFill>
+                            <a:schemeClr val="tx1"/>
+                          </a:solidFill>
+                          <a:latin typeface="Times New Roman" panose="02020603050405020304" pitchFamily="18" charset="0"/>
+                          <a:cs typeface="Times New Roman" panose="02020603050405020304" pitchFamily="18" charset="0"/>
+                        </a:rPr>
+                        <a:t>urlanh</a:t>
+                      </a:r>
+                    </a:p>
+                    <a:p>
+                      <a:pPr marL="171450" indent="-171450">
+                        <a:buFont typeface="Arial" panose="020B0604020202020204" pitchFamily="34" charset="0"/>
+                        <a:buChar char="•"/>
+                      </a:pPr>
+                      <a:r>
+                        <a:rPr lang="en-US" sz="1200" b="1">
+                          <a:solidFill>
+                            <a:schemeClr val="tx1"/>
+                          </a:solidFill>
+                          <a:latin typeface="Times New Roman" panose="02020603050405020304" pitchFamily="18" charset="0"/>
+                          <a:cs typeface="Times New Roman" panose="02020603050405020304" pitchFamily="18" charset="0"/>
+                        </a:rPr>
+                        <a:t>luotxem</a:t>
+                      </a:r>
                       <a:endParaRPr lang="en-US" sz="1200" b="1" dirty="0">
                         <a:solidFill>
-                          <a:srgbClr val="FFC000"/>
+                          <a:schemeClr val="tx1"/>
                         </a:solidFill>
                         <a:latin typeface="Times New Roman" panose="02020603050405020304" pitchFamily="18" charset="0"/>
                         <a:cs typeface="Times New Roman" panose="02020603050405020304" pitchFamily="18" charset="0"/>
                       </a:endParaRPr>
+                    </a:p>
+                    <a:p>
+                      <a:pPr marL="171450" indent="-171450">
+                        <a:buFont typeface="Arial" panose="020B0604020202020204" pitchFamily="34" charset="0"/>
+                        <a:buChar char="•"/>
+                      </a:pPr>
+                      <a:r>
+                        <a:rPr lang="en-US" sz="1200" b="1">
+                          <a:solidFill>
+                            <a:schemeClr val="tx1"/>
+                          </a:solidFill>
+                          <a:latin typeface="Times New Roman" panose="02020603050405020304" pitchFamily="18" charset="0"/>
+                          <a:cs typeface="Times New Roman" panose="02020603050405020304" pitchFamily="18" charset="0"/>
+                        </a:rPr>
+                        <a:t>ngaydang</a:t>
+                      </a:r>
                     </a:p>
                   </a:txBody>
                   <a:tcPr/>
@@ -16015,85 +16238,32 @@
                         <a:buChar char="•"/>
                       </a:pPr>
                       <a:r>
-                        <a:rPr lang="en-US" sz="1200" b="1" dirty="0" err="1">
+                        <a:rPr lang="en-US" sz="1200" b="1">
                           <a:solidFill>
                             <a:srgbClr val="FFC000"/>
                           </a:solidFill>
                           <a:latin typeface="Times New Roman" panose="02020603050405020304" pitchFamily="18" charset="0"/>
                           <a:cs typeface="Times New Roman" panose="02020603050405020304" pitchFamily="18" charset="0"/>
                         </a:rPr>
-                        <a:t>Thừa</a:t>
+                        <a:t>Tổng quát hóa: </a:t>
                       </a:r>
                       <a:r>
-                        <a:rPr lang="en-US" sz="1200" b="1" dirty="0">
+                        <a:rPr lang="en-US" sz="1200" b="1">
                           <a:solidFill>
-                            <a:srgbClr val="FFC000"/>
+                            <a:schemeClr val="tx1"/>
                           </a:solidFill>
                           <a:latin typeface="Times New Roman" panose="02020603050405020304" pitchFamily="18" charset="0"/>
                           <a:cs typeface="Times New Roman" panose="02020603050405020304" pitchFamily="18" charset="0"/>
                         </a:rPr>
-                        <a:t> </a:t>
+                        <a:t>không có</a:t>
                       </a:r>
-                      <a:r>
-                        <a:rPr lang="en-US" sz="1200" b="1" dirty="0" err="1">
-                          <a:solidFill>
-                            <a:srgbClr val="FFC000"/>
-                          </a:solidFill>
-                          <a:latin typeface="Times New Roman" panose="02020603050405020304" pitchFamily="18" charset="0"/>
-                          <a:cs typeface="Times New Roman" panose="02020603050405020304" pitchFamily="18" charset="0"/>
-                        </a:rPr>
-                        <a:t>kế</a:t>
-                      </a:r>
-                      <a:r>
-                        <a:rPr lang="en-US" sz="1200" b="1" dirty="0">
-                          <a:solidFill>
-                            <a:srgbClr val="FFC000"/>
-                          </a:solidFill>
-                          <a:latin typeface="Times New Roman" panose="02020603050405020304" pitchFamily="18" charset="0"/>
-                          <a:cs typeface="Times New Roman" panose="02020603050405020304" pitchFamily="18" charset="0"/>
-                        </a:rPr>
-                        <a:t>:  (</a:t>
-                      </a:r>
-                      <a:r>
-                        <a:rPr lang="en-US" sz="1200" b="1" dirty="0" err="1">
-                          <a:solidFill>
-                            <a:srgbClr val="FFC000"/>
-                          </a:solidFill>
-                          <a:latin typeface="Times New Roman" panose="02020603050405020304" pitchFamily="18" charset="0"/>
-                          <a:cs typeface="Times New Roman" panose="02020603050405020304" pitchFamily="18" charset="0"/>
-                        </a:rPr>
-                        <a:t>là</a:t>
-                      </a:r>
-                      <a:r>
-                        <a:rPr lang="en-US" sz="1200" b="1" dirty="0">
-                          <a:solidFill>
-                            <a:srgbClr val="FFC000"/>
-                          </a:solidFill>
-                          <a:latin typeface="Times New Roman" panose="02020603050405020304" pitchFamily="18" charset="0"/>
-                          <a:cs typeface="Times New Roman" panose="02020603050405020304" pitchFamily="18" charset="0"/>
-                        </a:rPr>
-                        <a:t> </a:t>
-                      </a:r>
-                      <a:r>
-                        <a:rPr lang="en-US" sz="1200" b="1" dirty="0" err="1">
-                          <a:solidFill>
-                            <a:srgbClr val="FFC000"/>
-                          </a:solidFill>
-                          <a:latin typeface="Times New Roman" panose="02020603050405020304" pitchFamily="18" charset="0"/>
-                          <a:cs typeface="Times New Roman" panose="02020603050405020304" pitchFamily="18" charset="0"/>
-                        </a:rPr>
-                        <a:t>lớp</a:t>
-                      </a:r>
-                      <a:r>
-                        <a:rPr lang="en-US" sz="1200" b="1" dirty="0">
-                          <a:solidFill>
-                            <a:srgbClr val="FFC000"/>
-                          </a:solidFill>
-                          <a:latin typeface="Times New Roman" panose="02020603050405020304" pitchFamily="18" charset="0"/>
-                          <a:cs typeface="Times New Roman" panose="02020603050405020304" pitchFamily="18" charset="0"/>
-                        </a:rPr>
-                        <a:t> cha)</a:t>
-                      </a:r>
+                      <a:endParaRPr lang="en-US" sz="1200" b="1" dirty="0">
+                        <a:solidFill>
+                          <a:srgbClr val="FFC000"/>
+                        </a:solidFill>
+                        <a:latin typeface="Times New Roman" panose="02020603050405020304" pitchFamily="18" charset="0"/>
+                        <a:cs typeface="Times New Roman" panose="02020603050405020304" pitchFamily="18" charset="0"/>
+                      </a:endParaRPr>
                     </a:p>
                     <a:p>
                       <a:pPr marL="171450" indent="-171450">
@@ -16251,7 +16421,7 @@
                         <a:t> </a:t>
                       </a:r>
                       <a:r>
-                        <a:rPr lang="en-US" sz="1200" b="1" dirty="0" err="1">
+                        <a:rPr lang="en-US" sz="1200" b="1" err="1">
                           <a:solidFill>
                             <a:srgbClr val="FFC000"/>
                           </a:solidFill>
@@ -16261,15 +16431,32 @@
                         <a:t>tập</a:t>
                       </a:r>
                       <a:r>
-                        <a:rPr lang="en-US" sz="1200" b="1" dirty="0">
+                        <a:rPr lang="en-US" sz="1200" b="1">
                           <a:solidFill>
                             <a:srgbClr val="FFC000"/>
                           </a:solidFill>
                           <a:latin typeface="Times New Roman" panose="02020603050405020304" pitchFamily="18" charset="0"/>
                           <a:cs typeface="Times New Roman" panose="02020603050405020304" pitchFamily="18" charset="0"/>
                         </a:rPr>
-                        <a:t>)</a:t>
+                        <a:t>) </a:t>
                       </a:r>
+                      <a:r>
+                        <a:rPr lang="en-US" sz="1200" b="1">
+                          <a:solidFill>
+                            <a:schemeClr val="tx1"/>
+                          </a:solidFill>
+                          <a:latin typeface="Times New Roman" panose="02020603050405020304" pitchFamily="18" charset="0"/>
+                          <a:cs typeface="Times New Roman" panose="02020603050405020304" pitchFamily="18" charset="0"/>
+                        </a:rPr>
+                        <a:t>không có</a:t>
+                      </a:r>
+                      <a:endParaRPr lang="en-US" sz="1200" b="1" dirty="0">
+                        <a:solidFill>
+                          <a:schemeClr val="tx1"/>
+                        </a:solidFill>
+                        <a:latin typeface="Times New Roman" panose="02020603050405020304" pitchFamily="18" charset="0"/>
+                        <a:cs typeface="Times New Roman" panose="02020603050405020304" pitchFamily="18" charset="0"/>
+                      </a:endParaRPr>
                     </a:p>
                     <a:p>
                       <a:pPr marL="171450" indent="-171450">
@@ -16427,7 +16614,7 @@
                         <a:t> </a:t>
                       </a:r>
                       <a:r>
-                        <a:rPr lang="en-US" sz="1200" b="1" dirty="0" err="1">
+                        <a:rPr lang="en-US" sz="1200" b="1" err="1">
                           <a:solidFill>
                             <a:srgbClr val="FFC000"/>
                           </a:solidFill>
@@ -16437,15 +16624,32 @@
                         <a:t>kết</a:t>
                       </a:r>
                       <a:r>
-                        <a:rPr lang="en-US" sz="1200" b="1" dirty="0">
+                        <a:rPr lang="en-US" sz="1200" b="1">
                           <a:solidFill>
                             <a:srgbClr val="FFC000"/>
                           </a:solidFill>
                           <a:latin typeface="Times New Roman" panose="02020603050405020304" pitchFamily="18" charset="0"/>
                           <a:cs typeface="Times New Roman" panose="02020603050405020304" pitchFamily="18" charset="0"/>
                         </a:rPr>
-                        <a:t>)</a:t>
+                        <a:t>) </a:t>
                       </a:r>
+                      <a:r>
+                        <a:rPr lang="en-US" sz="1200" b="1">
+                          <a:solidFill>
+                            <a:schemeClr val="tx1"/>
+                          </a:solidFill>
+                          <a:latin typeface="Times New Roman" panose="02020603050405020304" pitchFamily="18" charset="0"/>
+                          <a:cs typeface="Times New Roman" panose="02020603050405020304" pitchFamily="18" charset="0"/>
+                        </a:rPr>
+                        <a:t>User, BinhLuan</a:t>
+                      </a:r>
+                      <a:endParaRPr lang="en-US" sz="1200" b="1" dirty="0">
+                        <a:solidFill>
+                          <a:schemeClr val="tx1"/>
+                        </a:solidFill>
+                        <a:latin typeface="Times New Roman" panose="02020603050405020304" pitchFamily="18" charset="0"/>
+                        <a:cs typeface="Times New Roman" panose="02020603050405020304" pitchFamily="18" charset="0"/>
+                      </a:endParaRPr>
                     </a:p>
                   </a:txBody>
                   <a:tcPr/>

--- a/CRC Card.pptx
+++ b/CRC Card.pptx
@@ -15309,7 +15309,7 @@
           <p:nvPr>
             <p:extLst>
               <p:ext uri="{D42A27DB-BD31-4B8C-83A1-F6EECF244321}">
-                <p14:modId xmlns:p14="http://schemas.microsoft.com/office/powerpoint/2010/main" val="2808831994"/>
+                <p14:modId xmlns:p14="http://schemas.microsoft.com/office/powerpoint/2010/main" val="2133712152"/>
               </p:ext>
             </p:extLst>
           </p:nvPr>
@@ -15968,7 +15968,7 @@
                           <a:latin typeface="Times New Roman" panose="02020603050405020304" pitchFamily="18" charset="0"/>
                           <a:cs typeface="Times New Roman" panose="02020603050405020304" pitchFamily="18" charset="0"/>
                         </a:rPr>
-                        <a:t>baivietid</a:t>
+                        <a:t>idBV</a:t>
                       </a:r>
                     </a:p>
                     <a:p>
@@ -15984,7 +15984,7 @@
                           <a:latin typeface="Times New Roman" panose="02020603050405020304" pitchFamily="18" charset="0"/>
                           <a:cs typeface="Times New Roman" panose="02020603050405020304" pitchFamily="18" charset="0"/>
                         </a:rPr>
-                        <a:t>loaitinid</a:t>
+                        <a:t>idLoaitin</a:t>
                       </a:r>
                     </a:p>
                     <a:p>
@@ -16000,7 +16000,7 @@
                           <a:latin typeface="Times New Roman" panose="02020603050405020304" pitchFamily="18" charset="0"/>
                           <a:cs typeface="Times New Roman" panose="02020603050405020304" pitchFamily="18" charset="0"/>
                         </a:rPr>
-                        <a:t>tacgia</a:t>
+                        <a:t>tacGia</a:t>
                       </a:r>
                     </a:p>
                     <a:p>
@@ -16016,7 +16016,7 @@
                           <a:latin typeface="Times New Roman" panose="02020603050405020304" pitchFamily="18" charset="0"/>
                           <a:cs typeface="Times New Roman" panose="02020603050405020304" pitchFamily="18" charset="0"/>
                         </a:rPr>
-                        <a:t>tieude</a:t>
+                        <a:t>tieuDe</a:t>
                       </a:r>
                     </a:p>
                     <a:p>
@@ -16032,7 +16032,7 @@
                           <a:latin typeface="Times New Roman" panose="02020603050405020304" pitchFamily="18" charset="0"/>
                           <a:cs typeface="Times New Roman" panose="02020603050405020304" pitchFamily="18" charset="0"/>
                         </a:rPr>
-                        <a:t>tomtat</a:t>
+                        <a:t>tomTat</a:t>
                       </a:r>
                     </a:p>
                     <a:p>
@@ -16048,7 +16048,7 @@
                           <a:latin typeface="Times New Roman" panose="02020603050405020304" pitchFamily="18" charset="0"/>
                           <a:cs typeface="Times New Roman" panose="02020603050405020304" pitchFamily="18" charset="0"/>
                         </a:rPr>
-                        <a:t>noidung</a:t>
+                        <a:t>noiDung</a:t>
                       </a:r>
                     </a:p>
                     <a:p>
@@ -16064,7 +16064,7 @@
                           <a:latin typeface="Times New Roman" panose="02020603050405020304" pitchFamily="18" charset="0"/>
                           <a:cs typeface="Times New Roman" panose="02020603050405020304" pitchFamily="18" charset="0"/>
                         </a:rPr>
-                        <a:t>urlanh</a:t>
+                        <a:t>urlAnh</a:t>
                       </a:r>
                     </a:p>
                     <a:p>
@@ -16080,7 +16080,7 @@
                           <a:latin typeface="Times New Roman" panose="02020603050405020304" pitchFamily="18" charset="0"/>
                           <a:cs typeface="Times New Roman" panose="02020603050405020304" pitchFamily="18" charset="0"/>
                         </a:rPr>
-                        <a:t>luotxem</a:t>
+                        <a:t>luotXem</a:t>
                       </a:r>
                       <a:endParaRPr lang="en-US" sz="1200" b="1" dirty="0">
                         <a:solidFill>
@@ -16103,7 +16103,7 @@
                           <a:latin typeface="Times New Roman" panose="02020603050405020304" pitchFamily="18" charset="0"/>
                           <a:cs typeface="Times New Roman" panose="02020603050405020304" pitchFamily="18" charset="0"/>
                         </a:rPr>
-                        <a:t>ngaydang</a:t>
+                        <a:t>ngayDang</a:t>
                       </a:r>
                     </a:p>
                   </a:txBody>
